--- a/fig/framework.pptx
+++ b/fig/framework.pptx
@@ -5,16 +5,17 @@
     <p:sldMasterId id="2147483648" r:id="rId1"/>
   </p:sldMasterIdLst>
   <p:notesMasterIdLst>
-    <p:notesMasterId r:id="rId9"/>
+    <p:notesMasterId r:id="rId10"/>
   </p:notesMasterIdLst>
   <p:sldIdLst>
     <p:sldId id="257" r:id="rId2"/>
-    <p:sldId id="263" r:id="rId3"/>
-    <p:sldId id="262" r:id="rId4"/>
-    <p:sldId id="261" r:id="rId5"/>
-    <p:sldId id="260" r:id="rId6"/>
-    <p:sldId id="259" r:id="rId7"/>
-    <p:sldId id="258" r:id="rId8"/>
+    <p:sldId id="264" r:id="rId3"/>
+    <p:sldId id="263" r:id="rId4"/>
+    <p:sldId id="262" r:id="rId5"/>
+    <p:sldId id="261" r:id="rId6"/>
+    <p:sldId id="260" r:id="rId7"/>
+    <p:sldId id="259" r:id="rId8"/>
+    <p:sldId id="258" r:id="rId9"/>
   </p:sldIdLst>
   <p:sldSz cx="9144000" cy="6858000" type="screen4x3"/>
   <p:notesSz cx="6858000" cy="9144000"/>
@@ -198,7 +199,7 @@
           <a:p>
             <a:fld id="{D9144320-1641-2747-A8A6-9E57C682F9AA}" type="datetimeFigureOut">
               <a:rPr lang="en-US" smtClean="0"/>
-              <a:t>10/31/14</a:t>
+              <a:t>11/10/15</a:t>
             </a:fld>
             <a:endParaRPr lang="en-US"/>
           </a:p>
@@ -1054,6 +1055,90 @@
 </p:notes>
 </file>
 
+<file path=ppt/notesSlides/notesSlide8.xml><?xml version="1.0" encoding="utf-8"?>
+<p:notes xmlns:a="http://schemas.openxmlformats.org/drawingml/2006/main" xmlns:r="http://schemas.openxmlformats.org/officeDocument/2006/relationships" xmlns:p="http://schemas.openxmlformats.org/presentationml/2006/main">
+  <p:cSld>
+    <p:spTree>
+      <p:nvGrpSpPr>
+        <p:cNvPr id="1" name=""/>
+        <p:cNvGrpSpPr/>
+        <p:nvPr/>
+      </p:nvGrpSpPr>
+      <p:grpSpPr>
+        <a:xfrm>
+          <a:off x="0" y="0"/>
+          <a:ext cx="0" cy="0"/>
+          <a:chOff x="0" y="0"/>
+          <a:chExt cx="0" cy="0"/>
+        </a:xfrm>
+      </p:grpSpPr>
+      <p:sp>
+        <p:nvSpPr>
+          <p:cNvPr id="2" name="Slide Image Placeholder 1"/>
+          <p:cNvSpPr>
+            <a:spLocks noGrp="1" noRot="1" noChangeAspect="1"/>
+          </p:cNvSpPr>
+          <p:nvPr>
+            <p:ph type="sldImg"/>
+          </p:nvPr>
+        </p:nvSpPr>
+        <p:spPr/>
+      </p:sp>
+      <p:sp>
+        <p:nvSpPr>
+          <p:cNvPr id="3" name="Notes Placeholder 2"/>
+          <p:cNvSpPr>
+            <a:spLocks noGrp="1"/>
+          </p:cNvSpPr>
+          <p:nvPr>
+            <p:ph type="body" idx="1"/>
+          </p:nvPr>
+        </p:nvSpPr>
+        <p:spPr/>
+        <p:txBody>
+          <a:bodyPr/>
+          <a:lstStyle/>
+          <a:p>
+            <a:endParaRPr lang="en-US" dirty="0"/>
+          </a:p>
+        </p:txBody>
+      </p:sp>
+      <p:sp>
+        <p:nvSpPr>
+          <p:cNvPr id="4" name="Slide Number Placeholder 3"/>
+          <p:cNvSpPr>
+            <a:spLocks noGrp="1"/>
+          </p:cNvSpPr>
+          <p:nvPr>
+            <p:ph type="sldNum" sz="quarter" idx="10"/>
+          </p:nvPr>
+        </p:nvSpPr>
+        <p:spPr/>
+        <p:txBody>
+          <a:bodyPr/>
+          <a:lstStyle/>
+          <a:p>
+            <a:fld id="{DA16BCC1-4194-EA44-A8A7-90416414FF24}" type="slidenum">
+              <a:rPr lang="en-US" smtClean="0"/>
+              <a:t>8</a:t>
+            </a:fld>
+            <a:endParaRPr lang="en-US"/>
+          </a:p>
+        </p:txBody>
+      </p:sp>
+    </p:spTree>
+    <p:extLst>
+      <p:ext uri="{BB962C8B-B14F-4D97-AF65-F5344CB8AC3E}">
+        <p14:creationId xmlns:p14="http://schemas.microsoft.com/office/powerpoint/2010/main" val="2147739977"/>
+      </p:ext>
+    </p:extLst>
+  </p:cSld>
+  <p:clrMapOvr>
+    <a:masterClrMapping/>
+  </p:clrMapOvr>
+</p:notes>
+</file>
+
 <file path=ppt/slideLayouts/slideLayout1.xml><?xml version="1.0" encoding="utf-8"?>
 <p:sldLayout xmlns:a="http://schemas.openxmlformats.org/drawingml/2006/main" xmlns:r="http://schemas.openxmlformats.org/officeDocument/2006/relationships" xmlns:p="http://schemas.openxmlformats.org/presentationml/2006/main" type="title" preserve="1">
   <p:cSld name="Title Slide">
@@ -1235,7 +1320,7 @@
           <a:p>
             <a:fld id="{CF5FF764-2F53-A945-AC41-41514FEFD95B}" type="datetimeFigureOut">
               <a:rPr lang="en-US" smtClean="0"/>
-              <a:t>10/31/14</a:t>
+              <a:t>11/10/15</a:t>
             </a:fld>
             <a:endParaRPr lang="en-US"/>
           </a:p>
@@ -1405,7 +1490,7 @@
           <a:p>
             <a:fld id="{CF5FF764-2F53-A945-AC41-41514FEFD95B}" type="datetimeFigureOut">
               <a:rPr lang="en-US" smtClean="0"/>
-              <a:t>10/31/14</a:t>
+              <a:t>11/10/15</a:t>
             </a:fld>
             <a:endParaRPr lang="en-US"/>
           </a:p>
@@ -1585,7 +1670,7 @@
           <a:p>
             <a:fld id="{CF5FF764-2F53-A945-AC41-41514FEFD95B}" type="datetimeFigureOut">
               <a:rPr lang="en-US" smtClean="0"/>
-              <a:t>10/31/14</a:t>
+              <a:t>11/10/15</a:t>
             </a:fld>
             <a:endParaRPr lang="en-US"/>
           </a:p>
@@ -1755,7 +1840,7 @@
           <a:p>
             <a:fld id="{CF5FF764-2F53-A945-AC41-41514FEFD95B}" type="datetimeFigureOut">
               <a:rPr lang="en-US" smtClean="0"/>
-              <a:t>10/31/14</a:t>
+              <a:t>11/10/15</a:t>
             </a:fld>
             <a:endParaRPr lang="en-US"/>
           </a:p>
@@ -2001,7 +2086,7 @@
           <a:p>
             <a:fld id="{CF5FF764-2F53-A945-AC41-41514FEFD95B}" type="datetimeFigureOut">
               <a:rPr lang="en-US" smtClean="0"/>
-              <a:t>10/31/14</a:t>
+              <a:t>11/10/15</a:t>
             </a:fld>
             <a:endParaRPr lang="en-US"/>
           </a:p>
@@ -2289,7 +2374,7 @@
           <a:p>
             <a:fld id="{CF5FF764-2F53-A945-AC41-41514FEFD95B}" type="datetimeFigureOut">
               <a:rPr lang="en-US" smtClean="0"/>
-              <a:t>10/31/14</a:t>
+              <a:t>11/10/15</a:t>
             </a:fld>
             <a:endParaRPr lang="en-US"/>
           </a:p>
@@ -2711,7 +2796,7 @@
           <a:p>
             <a:fld id="{CF5FF764-2F53-A945-AC41-41514FEFD95B}" type="datetimeFigureOut">
               <a:rPr lang="en-US" smtClean="0"/>
-              <a:t>10/31/14</a:t>
+              <a:t>11/10/15</a:t>
             </a:fld>
             <a:endParaRPr lang="en-US"/>
           </a:p>
@@ -2829,7 +2914,7 @@
           <a:p>
             <a:fld id="{CF5FF764-2F53-A945-AC41-41514FEFD95B}" type="datetimeFigureOut">
               <a:rPr lang="en-US" smtClean="0"/>
-              <a:t>10/31/14</a:t>
+              <a:t>11/10/15</a:t>
             </a:fld>
             <a:endParaRPr lang="en-US"/>
           </a:p>
@@ -2924,7 +3009,7 @@
           <a:p>
             <a:fld id="{CF5FF764-2F53-A945-AC41-41514FEFD95B}" type="datetimeFigureOut">
               <a:rPr lang="en-US" smtClean="0"/>
-              <a:t>10/31/14</a:t>
+              <a:t>11/10/15</a:t>
             </a:fld>
             <a:endParaRPr lang="en-US"/>
           </a:p>
@@ -3201,7 +3286,7 @@
           <a:p>
             <a:fld id="{CF5FF764-2F53-A945-AC41-41514FEFD95B}" type="datetimeFigureOut">
               <a:rPr lang="en-US" smtClean="0"/>
-              <a:t>10/31/14</a:t>
+              <a:t>11/10/15</a:t>
             </a:fld>
             <a:endParaRPr lang="en-US"/>
           </a:p>
@@ -3454,7 +3539,7 @@
           <a:p>
             <a:fld id="{CF5FF764-2F53-A945-AC41-41514FEFD95B}" type="datetimeFigureOut">
               <a:rPr lang="en-US" smtClean="0"/>
-              <a:t>10/31/14</a:t>
+              <a:t>11/10/15</a:t>
             </a:fld>
             <a:endParaRPr lang="en-US"/>
           </a:p>
@@ -3667,7 +3752,7 @@
           <a:p>
             <a:fld id="{CF5FF764-2F53-A945-AC41-41514FEFD95B}" type="datetimeFigureOut">
               <a:rPr lang="en-US" smtClean="0"/>
-              <a:t>10/31/14</a:t>
+              <a:t>11/10/15</a:t>
             </a:fld>
             <a:endParaRPr lang="en-US"/>
           </a:p>
@@ -4051,9 +4136,9 @@
         <p:grpSpPr>
           <a:xfrm>
             <a:off x="1348159" y="371233"/>
-            <a:ext cx="4583727" cy="5431694"/>
+            <a:ext cx="4583727" cy="5509846"/>
             <a:chOff x="1348159" y="371233"/>
-            <a:chExt cx="4583727" cy="5431694"/>
+            <a:chExt cx="4583727" cy="5509846"/>
           </a:xfrm>
         </p:grpSpPr>
         <p:sp>
@@ -4191,6 +4276,746 @@
           <p:spPr>
             <a:xfrm>
               <a:off x="3099515" y="1944329"/>
+              <a:ext cx="29309" cy="185385"/>
+            </a:xfrm>
+            <a:prstGeom prst="straightConnector1">
+              <a:avLst/>
+            </a:prstGeom>
+            <a:ln>
+              <a:tailEnd type="arrow"/>
+            </a:ln>
+          </p:spPr>
+          <p:style>
+            <a:lnRef idx="2">
+              <a:schemeClr val="accent1"/>
+            </a:lnRef>
+            <a:fillRef idx="0">
+              <a:schemeClr val="accent1"/>
+            </a:fillRef>
+            <a:effectRef idx="1">
+              <a:schemeClr val="accent1"/>
+            </a:effectRef>
+            <a:fontRef idx="minor">
+              <a:schemeClr val="tx1"/>
+            </a:fontRef>
+          </p:style>
+        </p:cxnSp>
+        <p:sp>
+          <p:nvSpPr>
+            <p:cNvPr id="90" name="Rectangle 89"/>
+            <p:cNvSpPr/>
+            <p:nvPr/>
+          </p:nvSpPr>
+          <p:spPr>
+            <a:xfrm>
+              <a:off x="1739515" y="3048008"/>
+              <a:ext cx="2778617" cy="508002"/>
+            </a:xfrm>
+            <a:prstGeom prst="rect">
+              <a:avLst/>
+            </a:prstGeom>
+          </p:spPr>
+          <p:style>
+            <a:lnRef idx="2">
+              <a:schemeClr val="accent1">
+                <a:shade val="50000"/>
+              </a:schemeClr>
+            </a:lnRef>
+            <a:fillRef idx="1">
+              <a:schemeClr val="accent1"/>
+            </a:fillRef>
+            <a:effectRef idx="0">
+              <a:schemeClr val="accent1"/>
+            </a:effectRef>
+            <a:fontRef idx="minor">
+              <a:schemeClr val="lt1"/>
+            </a:fontRef>
+          </p:style>
+          <p:txBody>
+            <a:bodyPr rtlCol="0" anchor="ctr"/>
+            <a:lstStyle/>
+            <a:p>
+              <a:pPr algn="ctr"/>
+              <a:r>
+                <a:rPr lang="en-US" dirty="0" smtClean="0"/>
+                <a:t>CCO analysis</a:t>
+              </a:r>
+              <a:endParaRPr lang="en-US" dirty="0"/>
+            </a:p>
+          </p:txBody>
+        </p:sp>
+        <p:cxnSp>
+          <p:nvCxnSpPr>
+            <p:cNvPr id="91" name="Straight Arrow Connector 90"/>
+            <p:cNvCxnSpPr>
+              <a:stCxn id="90" idx="2"/>
+              <a:endCxn id="58" idx="3"/>
+            </p:cNvCxnSpPr>
+            <p:nvPr/>
+          </p:nvCxnSpPr>
+          <p:spPr>
+            <a:xfrm>
+              <a:off x="3128824" y="3556010"/>
+              <a:ext cx="0" cy="232411"/>
+            </a:xfrm>
+            <a:prstGeom prst="straightConnector1">
+              <a:avLst/>
+            </a:prstGeom>
+            <a:ln>
+              <a:tailEnd type="arrow"/>
+            </a:ln>
+          </p:spPr>
+          <p:style>
+            <a:lnRef idx="2">
+              <a:schemeClr val="accent1"/>
+            </a:lnRef>
+            <a:fillRef idx="0">
+              <a:schemeClr val="accent1"/>
+            </a:fillRef>
+            <a:effectRef idx="1">
+              <a:schemeClr val="accent1"/>
+            </a:effectRef>
+            <a:fontRef idx="minor">
+              <a:schemeClr val="tx1"/>
+            </a:fontRef>
+          </p:style>
+        </p:cxnSp>
+        <p:sp>
+          <p:nvSpPr>
+            <p:cNvPr id="56" name="Rectangle 55"/>
+            <p:cNvSpPr/>
+            <p:nvPr/>
+          </p:nvSpPr>
+          <p:spPr>
+            <a:xfrm>
+              <a:off x="1739515" y="4519038"/>
+              <a:ext cx="2778617" cy="658651"/>
+            </a:xfrm>
+            <a:prstGeom prst="rect">
+              <a:avLst/>
+            </a:prstGeom>
+          </p:spPr>
+          <p:style>
+            <a:lnRef idx="2">
+              <a:schemeClr val="accent1">
+                <a:shade val="50000"/>
+              </a:schemeClr>
+            </a:lnRef>
+            <a:fillRef idx="1">
+              <a:schemeClr val="accent1"/>
+            </a:fillRef>
+            <a:effectRef idx="0">
+              <a:schemeClr val="accent1"/>
+            </a:effectRef>
+            <a:fontRef idx="minor">
+              <a:schemeClr val="lt1"/>
+            </a:fontRef>
+          </p:style>
+          <p:txBody>
+            <a:bodyPr rtlCol="0" anchor="ctr"/>
+            <a:lstStyle/>
+            <a:p>
+              <a:pPr algn="ctr"/>
+              <a:r>
+                <a:rPr lang="en-US" dirty="0" smtClean="0"/>
+                <a:t>CCO optimization and tuning</a:t>
+              </a:r>
+            </a:p>
+          </p:txBody>
+        </p:sp>
+        <p:cxnSp>
+          <p:nvCxnSpPr>
+            <p:cNvPr id="40" name="Elbow Connector 39"/>
+            <p:cNvCxnSpPr>
+              <a:stCxn id="16" idx="2"/>
+              <a:endCxn id="56" idx="1"/>
+            </p:cNvCxnSpPr>
+            <p:nvPr/>
+          </p:nvCxnSpPr>
+          <p:spPr>
+            <a:xfrm rot="10800000" flipH="1" flipV="1">
+              <a:off x="1348159" y="695926"/>
+              <a:ext cx="391355" cy="4152438"/>
+            </a:xfrm>
+            <a:prstGeom prst="bentConnector3">
+              <a:avLst>
+                <a:gd name="adj1" fmla="val -58412"/>
+              </a:avLst>
+            </a:prstGeom>
+            <a:ln>
+              <a:tailEnd type="arrow"/>
+            </a:ln>
+          </p:spPr>
+          <p:style>
+            <a:lnRef idx="2">
+              <a:schemeClr val="accent1"/>
+            </a:lnRef>
+            <a:fillRef idx="0">
+              <a:schemeClr val="accent1"/>
+            </a:fillRef>
+            <a:effectRef idx="1">
+              <a:schemeClr val="accent1"/>
+            </a:effectRef>
+            <a:fontRef idx="minor">
+              <a:schemeClr val="tx1"/>
+            </a:fontRef>
+          </p:style>
+        </p:cxnSp>
+        <p:sp>
+          <p:nvSpPr>
+            <p:cNvPr id="16" name="Snip Single Corner Rectangle 15"/>
+            <p:cNvSpPr/>
+            <p:nvPr/>
+          </p:nvSpPr>
+          <p:spPr>
+            <a:xfrm>
+              <a:off x="1348160" y="371236"/>
+              <a:ext cx="1699844" cy="649380"/>
+            </a:xfrm>
+            <a:prstGeom prst="snip1Rect">
+              <a:avLst/>
+            </a:prstGeom>
+            <a:noFill/>
+          </p:spPr>
+          <p:style>
+            <a:lnRef idx="2">
+              <a:schemeClr val="accent1"/>
+            </a:lnRef>
+            <a:fillRef idx="1">
+              <a:schemeClr val="lt1"/>
+            </a:fillRef>
+            <a:effectRef idx="0">
+              <a:schemeClr val="accent1"/>
+            </a:effectRef>
+            <a:fontRef idx="minor">
+              <a:schemeClr val="dk1"/>
+            </a:fontRef>
+          </p:style>
+          <p:txBody>
+            <a:bodyPr rtlCol="0" anchor="ctr"/>
+            <a:lstStyle/>
+            <a:p>
+              <a:pPr algn="ctr"/>
+              <a:r>
+                <a:rPr lang="en-US" dirty="0" smtClean="0"/>
+                <a:t>Input program</a:t>
+              </a:r>
+              <a:endParaRPr lang="en-US" dirty="0"/>
+            </a:p>
+          </p:txBody>
+        </p:sp>
+        <p:sp>
+          <p:nvSpPr>
+            <p:cNvPr id="41" name="Snip Single Corner Rectangle 40"/>
+            <p:cNvSpPr/>
+            <p:nvPr/>
+          </p:nvSpPr>
+          <p:spPr>
+            <a:xfrm>
+              <a:off x="3485676" y="371233"/>
+              <a:ext cx="2446210" cy="649383"/>
+            </a:xfrm>
+            <a:prstGeom prst="snip1Rect">
+              <a:avLst/>
+            </a:prstGeom>
+            <a:noFill/>
+          </p:spPr>
+          <p:style>
+            <a:lnRef idx="2">
+              <a:schemeClr val="accent1"/>
+            </a:lnRef>
+            <a:fillRef idx="1">
+              <a:schemeClr val="lt1"/>
+            </a:fillRef>
+            <a:effectRef idx="0">
+              <a:schemeClr val="accent1"/>
+            </a:effectRef>
+            <a:fontRef idx="minor">
+              <a:schemeClr val="dk1"/>
+            </a:fontRef>
+          </p:style>
+          <p:txBody>
+            <a:bodyPr rtlCol="0" anchor="ctr"/>
+            <a:lstStyle/>
+            <a:p>
+              <a:pPr algn="ctr"/>
+              <a:r>
+                <a:rPr lang="en-US" dirty="0" smtClean="0"/>
+                <a:t>Input data and</a:t>
+              </a:r>
+            </a:p>
+            <a:p>
+              <a:pPr algn="ctr"/>
+              <a:r>
+                <a:rPr lang="en-US" dirty="0" smtClean="0"/>
+                <a:t>number of processes</a:t>
+              </a:r>
+              <a:endParaRPr lang="en-US" dirty="0"/>
+            </a:p>
+          </p:txBody>
+        </p:sp>
+        <p:sp>
+          <p:nvSpPr>
+            <p:cNvPr id="55" name="Snip Single Corner Rectangle 54"/>
+            <p:cNvSpPr/>
+            <p:nvPr/>
+          </p:nvSpPr>
+          <p:spPr>
+            <a:xfrm>
+              <a:off x="1739514" y="5373077"/>
+              <a:ext cx="2778616" cy="508002"/>
+            </a:xfrm>
+            <a:prstGeom prst="snip1Rect">
+              <a:avLst/>
+            </a:prstGeom>
+            <a:noFill/>
+          </p:spPr>
+          <p:style>
+            <a:lnRef idx="2">
+              <a:schemeClr val="accent1"/>
+            </a:lnRef>
+            <a:fillRef idx="1">
+              <a:schemeClr val="lt1"/>
+            </a:fillRef>
+            <a:effectRef idx="0">
+              <a:schemeClr val="accent1"/>
+            </a:effectRef>
+            <a:fontRef idx="minor">
+              <a:schemeClr val="dk1"/>
+            </a:fontRef>
+          </p:style>
+          <p:txBody>
+            <a:bodyPr rtlCol="0" anchor="ctr"/>
+            <a:lstStyle/>
+            <a:p>
+              <a:pPr algn="ctr"/>
+              <a:r>
+                <a:rPr lang="en-US" dirty="0" smtClean="0"/>
+                <a:t>Optimized code</a:t>
+              </a:r>
+              <a:endParaRPr lang="en-US" dirty="0"/>
+            </a:p>
+          </p:txBody>
+        </p:sp>
+        <p:sp>
+          <p:nvSpPr>
+            <p:cNvPr id="58" name="Snip Single Corner Rectangle 57"/>
+            <p:cNvSpPr/>
+            <p:nvPr/>
+          </p:nvSpPr>
+          <p:spPr>
+            <a:xfrm>
+              <a:off x="1739515" y="3788421"/>
+              <a:ext cx="2778617" cy="508002"/>
+            </a:xfrm>
+            <a:prstGeom prst="snip1Rect">
+              <a:avLst/>
+            </a:prstGeom>
+            <a:noFill/>
+          </p:spPr>
+          <p:style>
+            <a:lnRef idx="2">
+              <a:schemeClr val="accent1"/>
+            </a:lnRef>
+            <a:fillRef idx="1">
+              <a:schemeClr val="lt1"/>
+            </a:fillRef>
+            <a:effectRef idx="0">
+              <a:schemeClr val="accent1"/>
+            </a:effectRef>
+            <a:fontRef idx="minor">
+              <a:schemeClr val="dk1"/>
+            </a:fontRef>
+          </p:style>
+          <p:txBody>
+            <a:bodyPr rtlCol="0" anchor="ctr"/>
+            <a:lstStyle/>
+            <a:p>
+              <a:pPr algn="ctr"/>
+              <a:r>
+                <a:rPr lang="en-US" smtClean="0"/>
+                <a:t>Optimization configuration</a:t>
+              </a:r>
+              <a:endParaRPr lang="en-US" dirty="0"/>
+            </a:p>
+          </p:txBody>
+        </p:sp>
+        <p:cxnSp>
+          <p:nvCxnSpPr>
+            <p:cNvPr id="61" name="Straight Arrow Connector 60"/>
+            <p:cNvCxnSpPr>
+              <a:stCxn id="58" idx="1"/>
+              <a:endCxn id="56" idx="0"/>
+            </p:cNvCxnSpPr>
+            <p:nvPr/>
+          </p:nvCxnSpPr>
+          <p:spPr>
+            <a:xfrm>
+              <a:off x="3128824" y="4296423"/>
+              <a:ext cx="0" cy="222615"/>
+            </a:xfrm>
+            <a:prstGeom prst="straightConnector1">
+              <a:avLst/>
+            </a:prstGeom>
+            <a:ln>
+              <a:tailEnd type="arrow"/>
+            </a:ln>
+          </p:spPr>
+          <p:style>
+            <a:lnRef idx="2">
+              <a:schemeClr val="accent1"/>
+            </a:lnRef>
+            <a:fillRef idx="0">
+              <a:schemeClr val="accent1"/>
+            </a:fillRef>
+            <a:effectRef idx="1">
+              <a:schemeClr val="accent1"/>
+            </a:effectRef>
+            <a:fontRef idx="minor">
+              <a:schemeClr val="tx1"/>
+            </a:fontRef>
+          </p:style>
+        </p:cxnSp>
+        <p:cxnSp>
+          <p:nvCxnSpPr>
+            <p:cNvPr id="69" name="Straight Arrow Connector 68"/>
+            <p:cNvCxnSpPr>
+              <a:stCxn id="71" idx="1"/>
+              <a:endCxn id="90" idx="0"/>
+            </p:cNvCxnSpPr>
+            <p:nvPr/>
+          </p:nvCxnSpPr>
+          <p:spPr>
+            <a:xfrm>
+              <a:off x="3128824" y="2891704"/>
+              <a:ext cx="0" cy="156304"/>
+            </a:xfrm>
+            <a:prstGeom prst="straightConnector1">
+              <a:avLst/>
+            </a:prstGeom>
+            <a:ln>
+              <a:tailEnd type="arrow"/>
+            </a:ln>
+          </p:spPr>
+          <p:style>
+            <a:lnRef idx="2">
+              <a:schemeClr val="accent1"/>
+            </a:lnRef>
+            <a:fillRef idx="0">
+              <a:schemeClr val="accent1"/>
+            </a:fillRef>
+            <a:effectRef idx="1">
+              <a:schemeClr val="accent1"/>
+            </a:effectRef>
+            <a:fontRef idx="minor">
+              <a:schemeClr val="tx1"/>
+            </a:fontRef>
+          </p:style>
+        </p:cxnSp>
+        <p:sp>
+          <p:nvSpPr>
+            <p:cNvPr id="71" name="Snip Single Corner Rectangle 70"/>
+            <p:cNvSpPr/>
+            <p:nvPr/>
+          </p:nvSpPr>
+          <p:spPr>
+            <a:xfrm>
+              <a:off x="1739515" y="2129714"/>
+              <a:ext cx="2778617" cy="761990"/>
+            </a:xfrm>
+            <a:prstGeom prst="snip1Rect">
+              <a:avLst/>
+            </a:prstGeom>
+            <a:noFill/>
+          </p:spPr>
+          <p:style>
+            <a:lnRef idx="2">
+              <a:schemeClr val="accent1"/>
+            </a:lnRef>
+            <a:fillRef idx="1">
+              <a:schemeClr val="lt1"/>
+            </a:fillRef>
+            <a:effectRef idx="0">
+              <a:schemeClr val="accent1"/>
+            </a:effectRef>
+            <a:fontRef idx="minor">
+              <a:schemeClr val="dk1"/>
+            </a:fontRef>
+          </p:style>
+          <p:txBody>
+            <a:bodyPr rtlCol="0" anchor="ctr"/>
+            <a:lstStyle/>
+            <a:p>
+              <a:pPr algn="ctr"/>
+              <a:r>
+                <a:rPr lang="en-US" dirty="0" smtClean="0"/>
+                <a:t>Modeled performance characteristics</a:t>
+              </a:r>
+              <a:endParaRPr lang="en-US" dirty="0"/>
+            </a:p>
+          </p:txBody>
+        </p:sp>
+        <p:cxnSp>
+          <p:nvCxnSpPr>
+            <p:cNvPr id="49" name="Straight Arrow Connector 48"/>
+            <p:cNvCxnSpPr>
+              <a:stCxn id="56" idx="2"/>
+              <a:endCxn id="55" idx="3"/>
+            </p:cNvCxnSpPr>
+            <p:nvPr/>
+          </p:nvCxnSpPr>
+          <p:spPr>
+            <a:xfrm flipH="1">
+              <a:off x="3128822" y="5177689"/>
+              <a:ext cx="2" cy="195388"/>
+            </a:xfrm>
+            <a:prstGeom prst="straightConnector1">
+              <a:avLst/>
+            </a:prstGeom>
+            <a:ln>
+              <a:tailEnd type="arrow"/>
+            </a:ln>
+          </p:spPr>
+          <p:style>
+            <a:lnRef idx="2">
+              <a:schemeClr val="accent1"/>
+            </a:lnRef>
+            <a:fillRef idx="0">
+              <a:schemeClr val="accent1"/>
+            </a:fillRef>
+            <a:effectRef idx="1">
+              <a:schemeClr val="accent1"/>
+            </a:effectRef>
+            <a:fontRef idx="minor">
+              <a:schemeClr val="tx1"/>
+            </a:fontRef>
+          </p:style>
+        </p:cxnSp>
+        <p:cxnSp>
+          <p:nvCxnSpPr>
+            <p:cNvPr id="52" name="Elbow Connector 51"/>
+            <p:cNvCxnSpPr>
+              <a:stCxn id="16" idx="2"/>
+              <a:endCxn id="90" idx="1"/>
+            </p:cNvCxnSpPr>
+            <p:nvPr/>
+          </p:nvCxnSpPr>
+          <p:spPr>
+            <a:xfrm rot="10800000" flipH="1" flipV="1">
+              <a:off x="1348159" y="695925"/>
+              <a:ext cx="391355" cy="2606083"/>
+            </a:xfrm>
+            <a:prstGeom prst="bentConnector3">
+              <a:avLst>
+                <a:gd name="adj1" fmla="val -58412"/>
+              </a:avLst>
+            </a:prstGeom>
+            <a:ln>
+              <a:tailEnd type="arrow"/>
+            </a:ln>
+          </p:spPr>
+          <p:style>
+            <a:lnRef idx="2">
+              <a:schemeClr val="accent1"/>
+            </a:lnRef>
+            <a:fillRef idx="0">
+              <a:schemeClr val="accent1"/>
+            </a:fillRef>
+            <a:effectRef idx="1">
+              <a:schemeClr val="accent1"/>
+            </a:effectRef>
+            <a:fontRef idx="minor">
+              <a:schemeClr val="tx1"/>
+            </a:fontRef>
+          </p:style>
+        </p:cxnSp>
+      </p:grpSp>
+    </p:spTree>
+    <p:extLst>
+      <p:ext uri="{BB962C8B-B14F-4D97-AF65-F5344CB8AC3E}">
+        <p14:creationId xmlns:p14="http://schemas.microsoft.com/office/powerpoint/2010/main" val="1890233170"/>
+      </p:ext>
+    </p:extLst>
+  </p:cSld>
+  <p:clrMapOvr>
+    <a:masterClrMapping/>
+  </p:clrMapOvr>
+  <p:timing>
+    <p:tnLst>
+      <p:par>
+        <p:cTn xmlns:p14="http://schemas.microsoft.com/office/powerpoint/2010/main" id="1" dur="indefinite" restart="never" nodeType="tmRoot"/>
+      </p:par>
+    </p:tnLst>
+  </p:timing>
+</p:sld>
+</file>
+
+<file path=ppt/slides/slide2.xml><?xml version="1.0" encoding="utf-8"?>
+<p:sld xmlns:a="http://schemas.openxmlformats.org/drawingml/2006/main" xmlns:r="http://schemas.openxmlformats.org/officeDocument/2006/relationships" xmlns:p="http://schemas.openxmlformats.org/presentationml/2006/main">
+  <p:cSld>
+    <p:spTree>
+      <p:nvGrpSpPr>
+        <p:cNvPr id="1" name=""/>
+        <p:cNvGrpSpPr/>
+        <p:nvPr/>
+      </p:nvGrpSpPr>
+      <p:grpSpPr>
+        <a:xfrm>
+          <a:off x="0" y="0"/>
+          <a:ext cx="0" cy="0"/>
+          <a:chOff x="0" y="0"/>
+          <a:chExt cx="0" cy="0"/>
+        </a:xfrm>
+      </p:grpSpPr>
+      <p:grpSp>
+        <p:nvGrpSpPr>
+          <p:cNvPr id="38" name="Group 37"/>
+          <p:cNvGrpSpPr/>
+          <p:nvPr/>
+        </p:nvGrpSpPr>
+        <p:grpSpPr>
+          <a:xfrm>
+            <a:off x="1348159" y="371233"/>
+            <a:ext cx="4583727" cy="5431694"/>
+            <a:chOff x="1348159" y="371233"/>
+            <a:chExt cx="4583727" cy="5431694"/>
+          </a:xfrm>
+        </p:grpSpPr>
+        <p:sp>
+          <p:nvSpPr>
+            <p:cNvPr id="5" name="Rectangle 4"/>
+            <p:cNvSpPr/>
+            <p:nvPr/>
+          </p:nvSpPr>
+          <p:spPr>
+            <a:xfrm>
+              <a:off x="1680898" y="1289230"/>
+              <a:ext cx="2837234" cy="655099"/>
+            </a:xfrm>
+            <a:prstGeom prst="rect">
+              <a:avLst/>
+            </a:prstGeom>
+          </p:spPr>
+          <p:style>
+            <a:lnRef idx="2">
+              <a:schemeClr val="accent1">
+                <a:shade val="50000"/>
+              </a:schemeClr>
+            </a:lnRef>
+            <a:fillRef idx="1">
+              <a:schemeClr val="accent1"/>
+            </a:fillRef>
+            <a:effectRef idx="0">
+              <a:schemeClr val="accent1"/>
+            </a:effectRef>
+            <a:fontRef idx="minor">
+              <a:schemeClr val="lt1"/>
+            </a:fontRef>
+          </p:style>
+          <p:txBody>
+            <a:bodyPr rtlCol="0" anchor="ctr"/>
+            <a:lstStyle/>
+            <a:p>
+              <a:pPr algn="ctr"/>
+              <a:r>
+                <a:rPr lang="en-US" dirty="0" smtClean="0"/>
+                <a:t>Analytical </a:t>
+              </a:r>
+            </a:p>
+            <a:p>
+              <a:pPr algn="ctr"/>
+              <a:r>
+                <a:rPr lang="en-US" dirty="0" smtClean="0"/>
+                <a:t>performance  modeling</a:t>
+              </a:r>
+              <a:endParaRPr lang="en-US" dirty="0"/>
+            </a:p>
+          </p:txBody>
+        </p:sp>
+        <p:cxnSp>
+          <p:nvCxnSpPr>
+            <p:cNvPr id="20" name="Straight Arrow Connector 19"/>
+            <p:cNvCxnSpPr>
+              <a:stCxn id="16" idx="1"/>
+              <a:endCxn id="5" idx="0"/>
+            </p:cNvCxnSpPr>
+            <p:nvPr/>
+          </p:nvCxnSpPr>
+          <p:spPr>
+            <a:xfrm>
+              <a:off x="2198082" y="1020616"/>
+              <a:ext cx="901433" cy="268614"/>
+            </a:xfrm>
+            <a:prstGeom prst="straightConnector1">
+              <a:avLst/>
+            </a:prstGeom>
+            <a:ln>
+              <a:tailEnd type="arrow"/>
+            </a:ln>
+          </p:spPr>
+          <p:style>
+            <a:lnRef idx="2">
+              <a:schemeClr val="accent1"/>
+            </a:lnRef>
+            <a:fillRef idx="0">
+              <a:schemeClr val="accent1"/>
+            </a:fillRef>
+            <a:effectRef idx="1">
+              <a:schemeClr val="accent1"/>
+            </a:effectRef>
+            <a:fontRef idx="minor">
+              <a:schemeClr val="tx1"/>
+            </a:fontRef>
+          </p:style>
+        </p:cxnSp>
+        <p:cxnSp>
+          <p:nvCxnSpPr>
+            <p:cNvPr id="35" name="Straight Arrow Connector 34"/>
+            <p:cNvCxnSpPr>
+              <a:stCxn id="41" idx="1"/>
+              <a:endCxn id="5" idx="0"/>
+            </p:cNvCxnSpPr>
+            <p:nvPr/>
+          </p:nvCxnSpPr>
+          <p:spPr>
+            <a:xfrm flipH="1">
+              <a:off x="3099515" y="1020616"/>
+              <a:ext cx="1609266" cy="268614"/>
+            </a:xfrm>
+            <a:prstGeom prst="straightConnector1">
+              <a:avLst/>
+            </a:prstGeom>
+            <a:ln>
+              <a:tailEnd type="arrow"/>
+            </a:ln>
+          </p:spPr>
+          <p:style>
+            <a:lnRef idx="2">
+              <a:schemeClr val="accent1"/>
+            </a:lnRef>
+            <a:fillRef idx="0">
+              <a:schemeClr val="accent1"/>
+            </a:fillRef>
+            <a:effectRef idx="1">
+              <a:schemeClr val="accent1"/>
+            </a:effectRef>
+            <a:fontRef idx="minor">
+              <a:schemeClr val="tx1"/>
+            </a:fontRef>
+          </p:style>
+        </p:cxnSp>
+        <p:cxnSp>
+          <p:nvCxnSpPr>
+            <p:cNvPr id="66" name="Straight Arrow Connector 65"/>
+            <p:cNvCxnSpPr>
+              <a:stCxn id="5" idx="2"/>
+              <a:endCxn id="71" idx="3"/>
+            </p:cNvCxnSpPr>
+            <p:nvPr/>
+          </p:nvCxnSpPr>
+          <p:spPr>
+            <a:xfrm>
+              <a:off x="3099515" y="1944329"/>
               <a:ext cx="29309" cy="224461"/>
             </a:xfrm>
             <a:prstGeom prst="straightConnector1">
@@ -4333,13 +5158,8 @@
               <a:pPr algn="ctr"/>
               <a:r>
                 <a:rPr lang="en-US" dirty="0" smtClean="0"/>
-                <a:t>CCO </a:t>
+                <a:t>CCO optimization and tuning</a:t>
               </a:r>
-              <a:r>
-                <a:rPr lang="en-US" dirty="0" smtClean="0"/>
-                <a:t>optimization and tuning</a:t>
-              </a:r>
-              <a:endParaRPr lang="en-US" dirty="0" smtClean="0"/>
             </a:p>
           </p:txBody>
         </p:sp>
@@ -4753,7 +5573,7 @@
     </p:spTree>
     <p:extLst>
       <p:ext uri="{BB962C8B-B14F-4D97-AF65-F5344CB8AC3E}">
-        <p14:creationId xmlns:p14="http://schemas.microsoft.com/office/powerpoint/2010/main" val="1890233170"/>
+        <p14:creationId xmlns:p14="http://schemas.microsoft.com/office/powerpoint/2010/main" val="3063292704"/>
       </p:ext>
     </p:extLst>
   </p:cSld>
@@ -4770,7 +5590,7 @@
 </p:sld>
 </file>
 
-<file path=ppt/slides/slide2.xml><?xml version="1.0" encoding="utf-8"?>
+<file path=ppt/slides/slide3.xml><?xml version="1.0" encoding="utf-8"?>
 <p:sld xmlns:a="http://schemas.openxmlformats.org/drawingml/2006/main" xmlns:r="http://schemas.openxmlformats.org/officeDocument/2006/relationships" xmlns:p="http://schemas.openxmlformats.org/presentationml/2006/main">
   <p:cSld>
     <p:spTree>
@@ -5702,7 +6522,7 @@
 </p:sld>
 </file>
 
-<file path=ppt/slides/slide3.xml><?xml version="1.0" encoding="utf-8"?>
+<file path=ppt/slides/slide4.xml><?xml version="1.0" encoding="utf-8"?>
 <p:sld xmlns:a="http://schemas.openxmlformats.org/drawingml/2006/main" xmlns:r="http://schemas.openxmlformats.org/officeDocument/2006/relationships" xmlns:p="http://schemas.openxmlformats.org/presentationml/2006/main">
   <p:cSld>
     <p:spTree>
@@ -6578,7 +7398,7 @@
 </p:sld>
 </file>
 
-<file path=ppt/slides/slide4.xml><?xml version="1.0" encoding="utf-8"?>
+<file path=ppt/slides/slide5.xml><?xml version="1.0" encoding="utf-8"?>
 <p:sld xmlns:a="http://schemas.openxmlformats.org/drawingml/2006/main" xmlns:r="http://schemas.openxmlformats.org/officeDocument/2006/relationships" xmlns:p="http://schemas.openxmlformats.org/presentationml/2006/main">
   <p:cSld>
     <p:spTree>
@@ -7378,7 +8198,7 @@
 </p:sld>
 </file>
 
-<file path=ppt/slides/slide5.xml><?xml version="1.0" encoding="utf-8"?>
+<file path=ppt/slides/slide6.xml><?xml version="1.0" encoding="utf-8"?>
 <p:sld xmlns:a="http://schemas.openxmlformats.org/drawingml/2006/main" xmlns:r="http://schemas.openxmlformats.org/officeDocument/2006/relationships" xmlns:p="http://schemas.openxmlformats.org/presentationml/2006/main">
   <p:cSld>
     <p:spTree>
@@ -8552,7 +9372,7 @@
 </p:sld>
 </file>
 
-<file path=ppt/slides/slide6.xml><?xml version="1.0" encoding="utf-8"?>
+<file path=ppt/slides/slide7.xml><?xml version="1.0" encoding="utf-8"?>
 <p:sld xmlns:a="http://schemas.openxmlformats.org/drawingml/2006/main" xmlns:r="http://schemas.openxmlformats.org/officeDocument/2006/relationships" xmlns:p="http://schemas.openxmlformats.org/presentationml/2006/main">
   <p:cSld>
     <p:spTree>
@@ -9769,7 +10589,7 @@
 </p:sld>
 </file>
 
-<file path=ppt/slides/slide7.xml><?xml version="1.0" encoding="utf-8"?>
+<file path=ppt/slides/slide8.xml><?xml version="1.0" encoding="utf-8"?>
 <p:sld xmlns:a="http://schemas.openxmlformats.org/drawingml/2006/main" xmlns:r="http://schemas.openxmlformats.org/officeDocument/2006/relationships" xmlns:p="http://schemas.openxmlformats.org/presentationml/2006/main">
   <p:cSld>
     <p:spTree>
